--- a/PWP/Sistema de Hotelaria.pptx
+++ b/PWP/Sistema de Hotelaria.pptx
@@ -8735,7 +8735,7 @@
         </p:spPr>
         <p:txBody>
           <a:bodyPr vert="horz" lIns="91440" tIns="45720" rIns="91440" bIns="45720" rtlCol="0">
-            <a:normAutofit/>
+            <a:normAutofit lnSpcReduction="10000"/>
           </a:bodyPr>
           <a:lstStyle/>
           <a:p>
@@ -8862,10 +8862,16 @@
                   </a:schemeClr>
                 </a:solidFill>
               </a:rPr>
-              <a:t> E FACILITAR A CONEXÃO ENTRE CLIENTE E FUNCIONÁRIO, o </a:t>
-            </a:r>
-            <a:r>
-              <a:rPr lang="en-US" dirty="0" err="1">
+              <a:t> E FACILITAR A CONEXÃO ENTRE CLIENTE E FUNCIONÁRIOS. </a:t>
+            </a:r>
+          </a:p>
+          <a:p>
+            <a:pPr algn="l">
+              <a:buFont typeface="Wingdings 3" charset="2"/>
+              <a:buChar char=""/>
+            </a:pPr>
+            <a:r>
+              <a:rPr lang="en-US" dirty="0">
                 <a:solidFill>
                   <a:schemeClr val="tx1">
                     <a:lumMod val="75000"/>
@@ -8873,10 +8879,10 @@
                   </a:schemeClr>
                 </a:solidFill>
               </a:rPr>
-              <a:t>funcionário</a:t>
-            </a:r>
-            <a:r>
-              <a:rPr lang="en-US" dirty="0">
+              <a:t>o </a:t>
+            </a:r>
+            <a:r>
+              <a:rPr lang="en-US" dirty="0" err="1">
                 <a:solidFill>
                   <a:schemeClr val="tx1">
                     <a:lumMod val="75000"/>
@@ -8884,10 +8890,10 @@
                   </a:schemeClr>
                 </a:solidFill>
               </a:rPr>
-              <a:t> e o </a:t>
-            </a:r>
-            <a:r>
-              <a:rPr lang="en-US" dirty="0" err="1">
+              <a:t>funcionário</a:t>
+            </a:r>
+            <a:r>
+              <a:rPr lang="en-US" dirty="0">
                 <a:solidFill>
                   <a:schemeClr val="tx1">
                     <a:lumMod val="75000"/>
@@ -8895,10 +8901,10 @@
                   </a:schemeClr>
                 </a:solidFill>
               </a:rPr>
-              <a:t>gerente</a:t>
-            </a:r>
-            <a:r>
-              <a:rPr lang="en-US" dirty="0">
+              <a:t> e o </a:t>
+            </a:r>
+            <a:r>
+              <a:rPr lang="en-US" dirty="0" err="1">
                 <a:solidFill>
                   <a:schemeClr val="tx1">
                     <a:lumMod val="75000"/>
@@ -8906,10 +8912,10 @@
                   </a:schemeClr>
                 </a:solidFill>
               </a:rPr>
-              <a:t> </a:t>
-            </a:r>
-            <a:r>
-              <a:rPr lang="en-US" dirty="0" err="1">
+              <a:t>gerente</a:t>
+            </a:r>
+            <a:r>
+              <a:rPr lang="en-US" dirty="0">
                 <a:solidFill>
                   <a:schemeClr val="tx1">
                     <a:lumMod val="75000"/>
@@ -8917,10 +8923,10 @@
                   </a:schemeClr>
                 </a:solidFill>
               </a:rPr>
-              <a:t>serão</a:t>
-            </a:r>
-            <a:r>
-              <a:rPr lang="en-US" dirty="0">
+              <a:t> </a:t>
+            </a:r>
+            <a:r>
+              <a:rPr lang="en-US" dirty="0" err="1">
                 <a:solidFill>
                   <a:schemeClr val="tx1">
                     <a:lumMod val="75000"/>
@@ -8928,10 +8934,10 @@
                   </a:schemeClr>
                 </a:solidFill>
               </a:rPr>
-              <a:t> </a:t>
-            </a:r>
-            <a:r>
-              <a:rPr lang="en-US" dirty="0" err="1">
+              <a:t>serão</a:t>
+            </a:r>
+            <a:r>
+              <a:rPr lang="en-US" dirty="0">
                 <a:solidFill>
                   <a:schemeClr val="tx1">
                     <a:lumMod val="75000"/>
@@ -8939,10 +8945,10 @@
                   </a:schemeClr>
                 </a:solidFill>
               </a:rPr>
-              <a:t>os</a:t>
-            </a:r>
-            <a:r>
-              <a:rPr lang="en-US" dirty="0">
+              <a:t> </a:t>
+            </a:r>
+            <a:r>
+              <a:rPr lang="en-US" dirty="0" err="1">
                 <a:solidFill>
                   <a:schemeClr val="tx1">
                     <a:lumMod val="75000"/>
@@ -8950,10 +8956,10 @@
                   </a:schemeClr>
                 </a:solidFill>
               </a:rPr>
-              <a:t> </a:t>
-            </a:r>
-            <a:r>
-              <a:rPr lang="en-US" dirty="0" err="1">
+              <a:t>os</a:t>
+            </a:r>
+            <a:r>
+              <a:rPr lang="en-US" dirty="0">
                 <a:solidFill>
                   <a:schemeClr val="tx1">
                     <a:lumMod val="75000"/>
@@ -8961,10 +8967,10 @@
                   </a:schemeClr>
                 </a:solidFill>
               </a:rPr>
-              <a:t>usuários</a:t>
-            </a:r>
-            <a:r>
-              <a:rPr lang="en-US" dirty="0">
+              <a:t> </a:t>
+            </a:r>
+            <a:r>
+              <a:rPr lang="en-US" dirty="0" err="1">
                 <a:solidFill>
                   <a:schemeClr val="tx1">
                     <a:lumMod val="75000"/>
@@ -8972,10 +8978,10 @@
                   </a:schemeClr>
                 </a:solidFill>
               </a:rPr>
-              <a:t> do </a:t>
-            </a:r>
-            <a:r>
-              <a:rPr lang="en-US" dirty="0" err="1">
+              <a:t>usuários</a:t>
+            </a:r>
+            <a:r>
+              <a:rPr lang="en-US" dirty="0">
                 <a:solidFill>
                   <a:schemeClr val="tx1">
                     <a:lumMod val="75000"/>
@@ -8983,10 +8989,10 @@
                   </a:schemeClr>
                 </a:solidFill>
               </a:rPr>
-              <a:t>sistemas</a:t>
-            </a:r>
-            <a:r>
-              <a:rPr lang="en-US" dirty="0">
+              <a:t> do </a:t>
+            </a:r>
+            <a:r>
+              <a:rPr lang="en-US" dirty="0" err="1">
                 <a:solidFill>
                   <a:schemeClr val="tx1">
                     <a:lumMod val="75000"/>
@@ -8994,10 +9000,10 @@
                   </a:schemeClr>
                 </a:solidFill>
               </a:rPr>
-              <a:t>, o </a:t>
-            </a:r>
-            <a:r>
-              <a:rPr lang="en-US" dirty="0" err="1">
+              <a:t>sistemas</a:t>
+            </a:r>
+            <a:r>
+              <a:rPr lang="en-US" dirty="0">
                 <a:solidFill>
                   <a:schemeClr val="tx1">
                     <a:lumMod val="75000"/>
@@ -9005,8 +9011,14 @@
                   </a:schemeClr>
                 </a:solidFill>
               </a:rPr>
-              <a:t>sistema</a:t>
-            </a:r>
+              <a:t>.</a:t>
+            </a:r>
+          </a:p>
+          <a:p>
+            <a:pPr algn="l">
+              <a:buFont typeface="Wingdings 3" charset="2"/>
+              <a:buChar char=""/>
+            </a:pPr>
             <a:r>
               <a:rPr lang="en-US" dirty="0">
                 <a:solidFill>
@@ -9016,7 +9028,7 @@
                   </a:schemeClr>
                 </a:solidFill>
               </a:rPr>
-              <a:t> </a:t>
+              <a:t> o Sistema </a:t>
             </a:r>
             <a:r>
               <a:rPr lang="en-US" dirty="0" err="1">
@@ -9148,7 +9160,7 @@
                   </a:schemeClr>
                 </a:solidFill>
               </a:rPr>
-              <a:t>, </a:t>
+              <a:t> e </a:t>
             </a:r>
             <a:r>
               <a:rPr lang="en-US" dirty="0" err="1">
@@ -9260,16 +9272,12 @@
               </a:rPr>
               <a:t> DO CLIENTE.</a:t>
             </a:r>
-            <a:br>
-              <a:rPr lang="en-US" dirty="0">
-                <a:solidFill>
-                  <a:schemeClr val="tx1">
-                    <a:lumMod val="75000"/>
-                    <a:lumOff val="25000"/>
-                  </a:schemeClr>
-                </a:solidFill>
-              </a:rPr>
-            </a:br>
+          </a:p>
+          <a:p>
+            <a:pPr algn="l">
+              <a:buFont typeface="Wingdings 3" charset="2"/>
+              <a:buChar char=""/>
+            </a:pPr>
             <a:r>
               <a:rPr lang="en-US" dirty="0" err="1">
                 <a:solidFill>
@@ -10477,7 +10485,7 @@
         </p:blipFill>
         <p:spPr>
           <a:xfrm>
-            <a:off x="903096" y="157806"/>
+            <a:off x="901478" y="945206"/>
             <a:ext cx="8221116" cy="4007794"/>
           </a:xfrm>
           <a:prstGeom prst="rect">
